--- a/assets/expertise.pptx
+++ b/assets/expertise.pptx
@@ -261,7 +261,7 @@
           <a:p>
             <a:fld id="{8FC7859C-EBC4-4B3C-82EB-3B2852FCB98A}" type="datetimeFigureOut">
               <a:rPr lang="en-US" smtClean="0"/>
-              <a:t>5/6/2024</a:t>
+              <a:t>6/15/2024</a:t>
             </a:fld>
             <a:endParaRPr lang="en-US"/>
           </a:p>
@@ -461,7 +461,7 @@
           <a:p>
             <a:fld id="{8FC7859C-EBC4-4B3C-82EB-3B2852FCB98A}" type="datetimeFigureOut">
               <a:rPr lang="en-US" smtClean="0"/>
-              <a:t>5/6/2024</a:t>
+              <a:t>6/15/2024</a:t>
             </a:fld>
             <a:endParaRPr lang="en-US"/>
           </a:p>
@@ -671,7 +671,7 @@
           <a:p>
             <a:fld id="{8FC7859C-EBC4-4B3C-82EB-3B2852FCB98A}" type="datetimeFigureOut">
               <a:rPr lang="en-US" smtClean="0"/>
-              <a:t>5/6/2024</a:t>
+              <a:t>6/15/2024</a:t>
             </a:fld>
             <a:endParaRPr lang="en-US"/>
           </a:p>
@@ -871,7 +871,7 @@
           <a:p>
             <a:fld id="{8FC7859C-EBC4-4B3C-82EB-3B2852FCB98A}" type="datetimeFigureOut">
               <a:rPr lang="en-US" smtClean="0"/>
-              <a:t>5/6/2024</a:t>
+              <a:t>6/15/2024</a:t>
             </a:fld>
             <a:endParaRPr lang="en-US"/>
           </a:p>
@@ -1147,7 +1147,7 @@
           <a:p>
             <a:fld id="{8FC7859C-EBC4-4B3C-82EB-3B2852FCB98A}" type="datetimeFigureOut">
               <a:rPr lang="en-US" smtClean="0"/>
-              <a:t>5/6/2024</a:t>
+              <a:t>6/15/2024</a:t>
             </a:fld>
             <a:endParaRPr lang="en-US"/>
           </a:p>
@@ -1415,7 +1415,7 @@
           <a:p>
             <a:fld id="{8FC7859C-EBC4-4B3C-82EB-3B2852FCB98A}" type="datetimeFigureOut">
               <a:rPr lang="en-US" smtClean="0"/>
-              <a:t>5/6/2024</a:t>
+              <a:t>6/15/2024</a:t>
             </a:fld>
             <a:endParaRPr lang="en-US"/>
           </a:p>
@@ -1830,7 +1830,7 @@
           <a:p>
             <a:fld id="{8FC7859C-EBC4-4B3C-82EB-3B2852FCB98A}" type="datetimeFigureOut">
               <a:rPr lang="en-US" smtClean="0"/>
-              <a:t>5/6/2024</a:t>
+              <a:t>6/15/2024</a:t>
             </a:fld>
             <a:endParaRPr lang="en-US"/>
           </a:p>
@@ -1972,7 +1972,7 @@
           <a:p>
             <a:fld id="{8FC7859C-EBC4-4B3C-82EB-3B2852FCB98A}" type="datetimeFigureOut">
               <a:rPr lang="en-US" smtClean="0"/>
-              <a:t>5/6/2024</a:t>
+              <a:t>6/15/2024</a:t>
             </a:fld>
             <a:endParaRPr lang="en-US"/>
           </a:p>
@@ -2085,7 +2085,7 @@
           <a:p>
             <a:fld id="{8FC7859C-EBC4-4B3C-82EB-3B2852FCB98A}" type="datetimeFigureOut">
               <a:rPr lang="en-US" smtClean="0"/>
-              <a:t>5/6/2024</a:t>
+              <a:t>6/15/2024</a:t>
             </a:fld>
             <a:endParaRPr lang="en-US"/>
           </a:p>
@@ -2398,7 +2398,7 @@
           <a:p>
             <a:fld id="{8FC7859C-EBC4-4B3C-82EB-3B2852FCB98A}" type="datetimeFigureOut">
               <a:rPr lang="en-US" smtClean="0"/>
-              <a:t>5/6/2024</a:t>
+              <a:t>6/15/2024</a:t>
             </a:fld>
             <a:endParaRPr lang="en-US"/>
           </a:p>
@@ -2687,7 +2687,7 @@
           <a:p>
             <a:fld id="{8FC7859C-EBC4-4B3C-82EB-3B2852FCB98A}" type="datetimeFigureOut">
               <a:rPr lang="en-US" smtClean="0"/>
-              <a:t>5/6/2024</a:t>
+              <a:t>6/15/2024</a:t>
             </a:fld>
             <a:endParaRPr lang="en-US"/>
           </a:p>
@@ -2930,7 +2930,7 @@
           <a:p>
             <a:fld id="{8FC7859C-EBC4-4B3C-82EB-3B2852FCB98A}" type="datetimeFigureOut">
               <a:rPr lang="en-US" smtClean="0"/>
-              <a:t>5/6/2024</a:t>
+              <a:t>6/15/2024</a:t>
             </a:fld>
             <a:endParaRPr lang="en-US"/>
           </a:p>
@@ -3390,13 +3390,13 @@
           </p:spPr>
           <p:style>
             <a:lnRef idx="1">
-              <a:schemeClr val="accent3"/>
+              <a:schemeClr val="accent6"/>
             </a:lnRef>
             <a:fillRef idx="2">
-              <a:schemeClr val="accent3"/>
+              <a:schemeClr val="accent6"/>
             </a:fillRef>
             <a:effectRef idx="1">
-              <a:schemeClr val="accent3"/>
+              <a:schemeClr val="accent6"/>
             </a:effectRef>
             <a:fontRef idx="minor">
               <a:schemeClr val="dk1"/>
@@ -3441,13 +3441,13 @@
           </p:spPr>
           <p:style>
             <a:lnRef idx="1">
-              <a:schemeClr val="accent3"/>
+              <a:schemeClr val="accent6"/>
             </a:lnRef>
             <a:fillRef idx="2">
-              <a:schemeClr val="accent3"/>
+              <a:schemeClr val="accent6"/>
             </a:fillRef>
             <a:effectRef idx="1">
-              <a:schemeClr val="accent3"/>
+              <a:schemeClr val="accent6"/>
             </a:effectRef>
             <a:fontRef idx="minor">
               <a:schemeClr val="dk1"/>
@@ -3492,13 +3492,13 @@
           </p:spPr>
           <p:style>
             <a:lnRef idx="1">
-              <a:schemeClr val="accent3"/>
+              <a:schemeClr val="accent6"/>
             </a:lnRef>
             <a:fillRef idx="2">
-              <a:schemeClr val="accent3"/>
+              <a:schemeClr val="accent6"/>
             </a:fillRef>
             <a:effectRef idx="1">
-              <a:schemeClr val="accent3"/>
+              <a:schemeClr val="accent6"/>
             </a:effectRef>
             <a:fontRef idx="minor">
               <a:schemeClr val="dk1"/>
@@ -3543,13 +3543,13 @@
           </p:spPr>
           <p:style>
             <a:lnRef idx="1">
-              <a:schemeClr val="accent3"/>
+              <a:schemeClr val="accent6"/>
             </a:lnRef>
             <a:fillRef idx="2">
-              <a:schemeClr val="accent3"/>
+              <a:schemeClr val="accent6"/>
             </a:fillRef>
             <a:effectRef idx="1">
-              <a:schemeClr val="accent3"/>
+              <a:schemeClr val="accent6"/>
             </a:effectRef>
             <a:fontRef idx="minor">
               <a:schemeClr val="dk1"/>
@@ -3590,13 +3590,13 @@
           </p:spPr>
           <p:style>
             <a:lnRef idx="1">
-              <a:schemeClr val="accent3"/>
+              <a:schemeClr val="accent6"/>
             </a:lnRef>
             <a:fillRef idx="2">
-              <a:schemeClr val="accent3"/>
+              <a:schemeClr val="accent6"/>
             </a:fillRef>
             <a:effectRef idx="1">
-              <a:schemeClr val="accent3"/>
+              <a:schemeClr val="accent6"/>
             </a:effectRef>
             <a:fontRef idx="minor">
               <a:schemeClr val="dk1"/>
@@ -3641,46 +3641,28 @@
           </p:spPr>
           <p:style>
             <a:lnRef idx="1">
-              <a:schemeClr val="accent3"/>
+              <a:schemeClr val="accent6"/>
             </a:lnRef>
             <a:fillRef idx="2">
-              <a:schemeClr val="accent3"/>
+              <a:schemeClr val="accent6"/>
             </a:fillRef>
             <a:effectRef idx="1">
-              <a:schemeClr val="accent3"/>
+              <a:schemeClr val="accent6"/>
             </a:effectRef>
             <a:fontRef idx="minor">
               <a:schemeClr val="dk1"/>
             </a:fontRef>
           </p:style>
           <p:txBody>
-            <a:bodyPr rtlCol="0" anchor="ctr"/>
+            <a:bodyPr rtlCol="0" anchor="t"/>
             <a:lstStyle/>
             <a:p>
               <a:pPr algn="ctr"/>
-              <a:r>
-                <a:rPr lang="en-US">
-                  <a:solidFill>
-                    <a:schemeClr val="dk1"/>
-                  </a:solidFill>
-                </a:rPr>
-                <a:t>CoLRev Platform</a:t>
-              </a:r>
-              <a:br>
-                <a:rPr lang="en-US">
-                  <a:solidFill>
-                    <a:schemeClr val="dk1"/>
-                  </a:solidFill>
-                </a:rPr>
-              </a:br>
-              <a:r>
-                <a:rPr lang="en-US">
-                  <a:solidFill>
-                    <a:schemeClr val="dk1"/>
-                  </a:solidFill>
-                </a:rPr>
-                <a:t>with 87 packages</a:t>
-              </a:r>
+              <a:endParaRPr lang="en-US" dirty="0">
+                <a:solidFill>
+                  <a:schemeClr val="dk1"/>
+                </a:solidFill>
+              </a:endParaRPr>
             </a:p>
           </p:txBody>
         </p:sp>
@@ -3722,7 +3704,7 @@
         </p:blipFill>
         <p:spPr>
           <a:xfrm rot="13981434">
-            <a:off x="5535776" y="5786874"/>
+            <a:off x="5613575" y="6026602"/>
             <a:ext cx="456441" cy="328538"/>
           </a:xfrm>
           <a:prstGeom prst="rect">
@@ -3744,7 +3726,7 @@
         </p:nvSpPr>
         <p:spPr>
           <a:xfrm>
-            <a:off x="5118566" y="6246565"/>
+            <a:off x="5118566" y="6425238"/>
             <a:ext cx="2573665" cy="369332"/>
           </a:xfrm>
           <a:prstGeom prst="rect">
@@ -3868,7 +3850,7 @@
           <a:lstStyle/>
           <a:p>
             <a:r>
-              <a:rPr lang="de-DE" dirty="0"/>
+              <a:rPr lang="de-DE" b="1" dirty="0"/>
               <a:t>Gerit Wagner</a:t>
             </a:r>
           </a:p>
@@ -3906,7 +3888,7 @@
         <p:spPr>
           <a:xfrm>
             <a:off x="0" y="2549881"/>
-            <a:ext cx="3554815" cy="1009035"/>
+            <a:ext cx="3554815" cy="923330"/>
           </a:xfrm>
           <a:prstGeom prst="rect">
             <a:avLst/>
@@ -3920,19 +3902,19 @@
           <a:lstStyle/>
           <a:p>
             <a:r>
-              <a:rPr lang="de-DE" dirty="0"/>
+              <a:rPr lang="de-DE" b="1" dirty="0"/>
               <a:t>Julian </a:t>
             </a:r>
             <a:r>
-              <a:rPr lang="de-DE" dirty="0" err="1"/>
+              <a:rPr lang="de-DE" b="1" dirty="0" err="1"/>
               <a:t>Prester</a:t>
             </a:r>
             <a:r>
-              <a:rPr lang="de-DE" dirty="0"/>
+              <a:rPr lang="de-DE" b="1" dirty="0"/>
               <a:t>, </a:t>
             </a:r>
             <a:r>
-              <a:rPr lang="de-DE" dirty="0" err="1"/>
+              <a:rPr lang="de-DE" b="1" dirty="0" err="1"/>
               <a:t>Ph.D</a:t>
             </a:r>
             <a:r>
@@ -4576,7 +4558,7 @@
         </p:blipFill>
         <p:spPr>
           <a:xfrm rot="18824762">
-            <a:off x="6710465" y="5905573"/>
+            <a:off x="6544432" y="6079432"/>
             <a:ext cx="456441" cy="328538"/>
           </a:xfrm>
           <a:prstGeom prst="rect">
@@ -4584,6 +4566,61 @@
           </a:prstGeom>
         </p:spPr>
       </p:pic>
+      <p:sp>
+        <p:nvSpPr>
+          <p:cNvPr id="2" name="Textfeld 1">
+            <a:extLst>
+              <a:ext uri="{FF2B5EF4-FFF2-40B4-BE49-F238E27FC236}">
+                <a16:creationId xmlns:a16="http://schemas.microsoft.com/office/drawing/2014/main" id="{E81A176C-1CA7-3705-CDC4-449BF25A5066}"/>
+              </a:ext>
+            </a:extLst>
+          </p:cNvPr>
+          <p:cNvSpPr txBox="1"/>
+          <p:nvPr/>
+        </p:nvSpPr>
+        <p:spPr>
+          <a:xfrm>
+            <a:off x="4777547" y="855603"/>
+            <a:ext cx="2371719" cy="646331"/>
+          </a:xfrm>
+          <a:prstGeom prst="rect">
+            <a:avLst/>
+          </a:prstGeom>
+          <a:noFill/>
+        </p:spPr>
+        <p:txBody>
+          <a:bodyPr wrap="square" rtlCol="0">
+            <a:spAutoFit/>
+          </a:bodyPr>
+          <a:lstStyle/>
+          <a:p>
+            <a:pPr algn="ctr"/>
+            <a:r>
+              <a:rPr lang="en-US" dirty="0">
+                <a:solidFill>
+                  <a:schemeClr val="dk1"/>
+                </a:solidFill>
+              </a:rPr>
+              <a:t>CoLRev Environment</a:t>
+            </a:r>
+            <a:br>
+              <a:rPr lang="en-US" dirty="0">
+                <a:solidFill>
+                  <a:schemeClr val="dk1"/>
+                </a:solidFill>
+              </a:rPr>
+            </a:br>
+            <a:r>
+              <a:rPr lang="en-US" dirty="0">
+                <a:solidFill>
+                  <a:schemeClr val="dk1"/>
+                </a:solidFill>
+              </a:rPr>
+              <a:t>with 80+ packages</a:t>
+            </a:r>
+          </a:p>
+        </p:txBody>
+      </p:sp>
     </p:spTree>
     <p:extLst>
       <p:ext uri="{BB962C8B-B14F-4D97-AF65-F5344CB8AC3E}">
